--- a/v3顶边白底变体16-9.pptx
+++ b/v3顶边白底变体16-9.pptx
@@ -199,7 +199,7 @@
           </a:bodyPr>
           <a:lstStyle>
             <a:lvl1pPr algn="ctr">
-              <a:defRPr lang="en-US" altLang="en-US" sz="3600" b="0" kern="1200" cap="all" dirty="0">
+              <a:defRPr lang="en-US" altLang="en-US" sz="3600" b="0" kern="1200" cap="none" baseline="0" dirty="0">
                 <a:solidFill>
                   <a:schemeClr val="bg1"/>
                 </a:solidFill>
@@ -241,7 +241,7 @@
           <a:lstStyle>
             <a:lvl1pPr marL="0" indent="0" algn="ctr">
               <a:buNone/>
-              <a:defRPr sz="2000" cap="all">
+              <a:defRPr sz="2000" cap="none" baseline="0">
                 <a:solidFill>
                   <a:schemeClr val="accent2"/>
                 </a:solidFill>
@@ -337,125 +337,12 @@
           </a:p>
         </p:txBody>
       </p:sp>
-      <p:sp>
-        <p:nvSpPr>
-          <p:cNvPr id="4" name="Date Placeholder 3"/>
-          <p:cNvSpPr>
-            <a:spLocks noGrp="1"/>
-          </p:cNvSpPr>
-          <p:nvPr>
-            <p:ph type="dt" sz="half" idx="10"/>
-          </p:nvPr>
-        </p:nvSpPr>
-        <p:spPr>
-          <a:xfrm>
-            <a:off x="7605951" y="5956139"/>
-            <a:ext cx="2844800" cy="365125"/>
-          </a:xfrm>
-        </p:spPr>
-        <p:txBody>
-          <a:bodyPr/>
-          <a:lstStyle>
-            <a:lvl1pPr>
-              <a:defRPr>
-                <a:solidFill>
-                  <a:schemeClr val="accent1">
-                    <a:lumMod val="75000"/>
-                    <a:lumOff val="25000"/>
-                  </a:schemeClr>
-                </a:solidFill>
-              </a:defRPr>
-            </a:lvl1pPr>
-          </a:lstStyle>
-          <a:p>
-            <a:fld id="{E4551058-E5DB-324A-A8E9-6D3BEF243C3B}" type="datetimeFigureOut">
-              <a:rPr kumimoji="1" lang="zh-CN" altLang="en-US" smtClean="0"/>
-              <a:t>2022/6/5</a:t>
-            </a:fld>
-            <a:endParaRPr kumimoji="1" lang="zh-CN" altLang="en-US"/>
-          </a:p>
-        </p:txBody>
-      </p:sp>
-      <p:sp>
-        <p:nvSpPr>
-          <p:cNvPr id="5" name="Footer Placeholder 4"/>
-          <p:cNvSpPr>
-            <a:spLocks noGrp="1"/>
-          </p:cNvSpPr>
-          <p:nvPr>
-            <p:ph type="ftr" sz="quarter" idx="11"/>
-          </p:nvPr>
-        </p:nvSpPr>
-        <p:spPr>
-          <a:xfrm>
-            <a:off x="581192" y="5951813"/>
-            <a:ext cx="6917211" cy="365125"/>
-          </a:xfrm>
-        </p:spPr>
-        <p:txBody>
-          <a:bodyPr/>
-          <a:lstStyle>
-            <a:lvl1pPr>
-              <a:defRPr>
-                <a:solidFill>
-                  <a:schemeClr val="accent1">
-                    <a:lumMod val="75000"/>
-                    <a:lumOff val="25000"/>
-                  </a:schemeClr>
-                </a:solidFill>
-              </a:defRPr>
-            </a:lvl1pPr>
-          </a:lstStyle>
-          <a:p>
-            <a:endParaRPr kumimoji="1" lang="zh-CN" altLang="en-US"/>
-          </a:p>
-        </p:txBody>
-      </p:sp>
-      <p:sp>
-        <p:nvSpPr>
-          <p:cNvPr id="6" name="Slide Number Placeholder 5"/>
-          <p:cNvSpPr>
-            <a:spLocks noGrp="1"/>
-          </p:cNvSpPr>
-          <p:nvPr>
-            <p:ph type="sldNum" sz="quarter" idx="12"/>
-          </p:nvPr>
-        </p:nvSpPr>
-        <p:spPr>
-          <a:xfrm>
-            <a:off x="10558300" y="5956139"/>
-            <a:ext cx="1016440" cy="365125"/>
-          </a:xfrm>
-        </p:spPr>
-        <p:txBody>
-          <a:bodyPr/>
-          <a:lstStyle>
-            <a:lvl1pPr>
-              <a:defRPr>
-                <a:solidFill>
-                  <a:schemeClr val="accent1">
-                    <a:lumMod val="75000"/>
-                    <a:lumOff val="25000"/>
-                  </a:schemeClr>
-                </a:solidFill>
-              </a:defRPr>
-            </a:lvl1pPr>
-          </a:lstStyle>
-          <a:p>
-            <a:fld id="{977BA8E6-E826-B147-AA17-E3D76A29629C}" type="slidenum">
-              <a:rPr kumimoji="1" lang="zh-CN" altLang="en-US" smtClean="0"/>
-              <a:t>‹#›</a:t>
-            </a:fld>
-            <a:endParaRPr kumimoji="1" lang="zh-CN" altLang="en-US"/>
-          </a:p>
-        </p:txBody>
-      </p:sp>
       <p:pic>
         <p:nvPicPr>
-          <p:cNvPr id="8" name="图片 7">
+          <p:cNvPr id="10" name="图片 9">
             <a:extLst>
               <a:ext uri="{FF2B5EF4-FFF2-40B4-BE49-F238E27FC236}">
-                <a16:creationId xmlns:a16="http://schemas.microsoft.com/office/drawing/2014/main" id="{194A483F-9AA2-A24C-BA23-AD5256267A43}"/>
+                <a16:creationId xmlns:a16="http://schemas.microsoft.com/office/drawing/2014/main" id="{198C1FBC-DB92-8D4C-8889-541C754A53DF}"/>
               </a:ext>
             </a:extLst>
           </p:cNvPr>
@@ -465,37 +352,152 @@
           <p:nvPr userDrawn="1"/>
         </p:nvPicPr>
         <p:blipFill>
-          <a:blip r:embed="rId2" cstate="print">
-            <a:clrChange>
-              <a:clrFrom>
-                <a:srgbClr val="FFFFFF"/>
-              </a:clrFrom>
-              <a:clrTo>
-                <a:srgbClr val="FFFFFF">
-                  <a:alpha val="0"/>
-                </a:srgbClr>
-              </a:clrTo>
-            </a:clrChange>
-            <a:extLst>
-              <a:ext uri="{28A0092B-C50C-407E-A947-70E740481C1C}">
-                <a14:useLocalDpi xmlns:a14="http://schemas.microsoft.com/office/drawing/2010/main" val="0"/>
-              </a:ext>
-            </a:extLst>
-          </a:blip>
+          <a:blip r:embed="rId2"/>
           <a:stretch>
             <a:fillRect/>
           </a:stretch>
         </p:blipFill>
         <p:spPr>
           <a:xfrm>
-            <a:off x="359043" y="246213"/>
-            <a:ext cx="2538904" cy="1074418"/>
+            <a:off x="459200" y="275794"/>
+            <a:ext cx="2519770" cy="992105"/>
           </a:xfrm>
           <a:prstGeom prst="rect">
             <a:avLst/>
           </a:prstGeom>
         </p:spPr>
       </p:pic>
+      <p:sp>
+        <p:nvSpPr>
+          <p:cNvPr id="9" name="Date Placeholder 3">
+            <a:extLst>
+              <a:ext uri="{FF2B5EF4-FFF2-40B4-BE49-F238E27FC236}">
+                <a16:creationId xmlns:a16="http://schemas.microsoft.com/office/drawing/2014/main" id="{0B807CA4-C594-3747-811D-AECABC927C45}"/>
+              </a:ext>
+            </a:extLst>
+          </p:cNvPr>
+          <p:cNvSpPr>
+            <a:spLocks noGrp="1"/>
+          </p:cNvSpPr>
+          <p:nvPr>
+            <p:ph type="dt" sz="half" idx="2"/>
+          </p:nvPr>
+        </p:nvSpPr>
+        <p:spPr>
+          <a:xfrm>
+            <a:off x="7605953" y="5956139"/>
+            <a:ext cx="2844799" cy="365125"/>
+          </a:xfrm>
+          <a:prstGeom prst="rect">
+            <a:avLst/>
+          </a:prstGeom>
+        </p:spPr>
+        <p:txBody>
+          <a:bodyPr vert="horz" lIns="91440" tIns="45720" rIns="91440" bIns="45720" rtlCol="0" anchor="ctr"/>
+          <a:lstStyle>
+            <a:lvl1pPr algn="r">
+              <a:defRPr sz="900">
+                <a:solidFill>
+                  <a:schemeClr val="accent2"/>
+                </a:solidFill>
+              </a:defRPr>
+            </a:lvl1pPr>
+          </a:lstStyle>
+          <a:p>
+            <a:fld id="{E4551058-E5DB-324A-A8E9-6D3BEF243C3B}" type="datetimeFigureOut">
+              <a:rPr kumimoji="1" lang="zh-CN" altLang="en-US" smtClean="0"/>
+              <a:t>2022/6/9</a:t>
+            </a:fld>
+            <a:endParaRPr kumimoji="1" lang="zh-CN" altLang="en-US"/>
+          </a:p>
+        </p:txBody>
+      </p:sp>
+      <p:sp>
+        <p:nvSpPr>
+          <p:cNvPr id="11" name="Footer Placeholder 4">
+            <a:extLst>
+              <a:ext uri="{FF2B5EF4-FFF2-40B4-BE49-F238E27FC236}">
+                <a16:creationId xmlns:a16="http://schemas.microsoft.com/office/drawing/2014/main" id="{20223C87-E140-FC47-8247-2D68FF33A865}"/>
+              </a:ext>
+            </a:extLst>
+          </p:cNvPr>
+          <p:cNvSpPr>
+            <a:spLocks noGrp="1"/>
+          </p:cNvSpPr>
+          <p:nvPr>
+            <p:ph type="ftr" sz="quarter" idx="3"/>
+          </p:nvPr>
+        </p:nvSpPr>
+        <p:spPr>
+          <a:xfrm>
+            <a:off x="581192" y="5951813"/>
+            <a:ext cx="6917211" cy="365125"/>
+          </a:xfrm>
+          <a:prstGeom prst="rect">
+            <a:avLst/>
+          </a:prstGeom>
+        </p:spPr>
+        <p:txBody>
+          <a:bodyPr vert="horz" lIns="91440" tIns="45720" rIns="91440" bIns="45720" rtlCol="0" anchor="ctr"/>
+          <a:lstStyle>
+            <a:lvl1pPr algn="l">
+              <a:defRPr sz="900" cap="all">
+                <a:solidFill>
+                  <a:schemeClr val="accent2"/>
+                </a:solidFill>
+              </a:defRPr>
+            </a:lvl1pPr>
+          </a:lstStyle>
+          <a:p>
+            <a:endParaRPr kumimoji="1" lang="zh-CN" altLang="en-US"/>
+          </a:p>
+        </p:txBody>
+      </p:sp>
+      <p:sp>
+        <p:nvSpPr>
+          <p:cNvPr id="12" name="Slide Number Placeholder 5">
+            <a:extLst>
+              <a:ext uri="{FF2B5EF4-FFF2-40B4-BE49-F238E27FC236}">
+                <a16:creationId xmlns:a16="http://schemas.microsoft.com/office/drawing/2014/main" id="{4E42ACB8-E538-4440-8190-A3204936344D}"/>
+              </a:ext>
+            </a:extLst>
+          </p:cNvPr>
+          <p:cNvSpPr>
+            <a:spLocks noGrp="1"/>
+          </p:cNvSpPr>
+          <p:nvPr>
+            <p:ph type="sldNum" sz="quarter" idx="4"/>
+          </p:nvPr>
+        </p:nvSpPr>
+        <p:spPr>
+          <a:xfrm>
+            <a:off x="10558301" y="5956139"/>
+            <a:ext cx="1052511" cy="365125"/>
+          </a:xfrm>
+          <a:prstGeom prst="rect">
+            <a:avLst/>
+          </a:prstGeom>
+        </p:spPr>
+        <p:txBody>
+          <a:bodyPr vert="horz" lIns="91440" tIns="45720" rIns="91440" bIns="45720" rtlCol="0" anchor="ctr"/>
+          <a:lstStyle>
+            <a:lvl1pPr algn="r">
+              <a:defRPr sz="900">
+                <a:solidFill>
+                  <a:schemeClr val="accent2"/>
+                </a:solidFill>
+              </a:defRPr>
+            </a:lvl1pPr>
+          </a:lstStyle>
+          <a:p>
+            <a:fld id="{977BA8E6-E826-B147-AA17-E3D76A29629C}" type="slidenum">
+              <a:rPr kumimoji="1" lang="zh-CN" altLang="en-US" smtClean="0"/>
+              <a:t>‹#›</a:t>
+            </a:fld>
+            <a:endParaRPr kumimoji="1" lang="zh-CN" altLang="en-US"/>
+          </a:p>
+        </p:txBody>
+      </p:sp>
     </p:spTree>
     <p:extLst>
       <p:ext uri="{BB962C8B-B14F-4D97-AF65-F5344CB8AC3E}">
@@ -551,7 +553,7 @@
           </a:bodyPr>
           <a:lstStyle>
             <a:lvl1pPr algn="l">
-              <a:defRPr sz="2400" b="0">
+              <a:defRPr sz="2400" b="0" cap="none" baseline="0">
                 <a:solidFill>
                   <a:schemeClr val="accent1"/>
                 </a:solidFill>
@@ -560,7 +562,7 @@
           </a:lstStyle>
           <a:p>
             <a:r>
-              <a:rPr lang="zh-CN" altLang="en-US"/>
+              <a:rPr lang="zh-CN" altLang="en-US" dirty="0"/>
               <a:t>单击此处编辑母版标题样式</a:t>
             </a:r>
             <a:endParaRPr lang="en-US" dirty="0"/>
@@ -695,7 +697,7 @@
           <a:p>
             <a:pPr lvl="0"/>
             <a:r>
-              <a:rPr lang="zh-CN" altLang="en-US"/>
+              <a:rPr lang="zh-CN" altLang="en-US" dirty="0"/>
               <a:t>单击此处编辑母版文本样式</a:t>
             </a:r>
           </a:p>
@@ -718,7 +720,7 @@
           <a:p>
             <a:fld id="{E4551058-E5DB-324A-A8E9-6D3BEF243C3B}" type="datetimeFigureOut">
               <a:rPr kumimoji="1" lang="zh-CN" altLang="en-US" smtClean="0"/>
-              <a:t>2022/6/5</a:t>
+              <a:t>2022/6/9</a:t>
             </a:fld>
             <a:endParaRPr kumimoji="1" lang="zh-CN" altLang="en-US"/>
           </a:p>
@@ -926,7 +928,7 @@
           <a:p>
             <a:fld id="{E4551058-E5DB-324A-A8E9-6D3BEF243C3B}" type="datetimeFigureOut">
               <a:rPr kumimoji="1" lang="zh-CN" altLang="en-US" smtClean="0"/>
-              <a:t>2022/6/5</a:t>
+              <a:t>2022/6/9</a:t>
             </a:fld>
             <a:endParaRPr kumimoji="1" lang="zh-CN" altLang="en-US"/>
           </a:p>
@@ -993,10 +995,14 @@
         <p:spPr/>
         <p:txBody>
           <a:bodyPr/>
-          <a:lstStyle/>
-          <a:p>
-            <a:r>
-              <a:rPr kumimoji="1" lang="zh-CN" altLang="en-US"/>
+          <a:lstStyle>
+            <a:lvl1pPr>
+              <a:defRPr cap="none" baseline="0"/>
+            </a:lvl1pPr>
+          </a:lstStyle>
+          <a:p>
+            <a:r>
+              <a:rPr kumimoji="1" lang="zh-CN" altLang="en-US" dirty="0"/>
               <a:t>单击此处编辑母版标题样式</a:t>
             </a:r>
           </a:p>
@@ -1083,8 +1089,8 @@
         </p:nvSpPr>
         <p:spPr>
           <a:xfrm>
-            <a:off x="8993674" y="675728"/>
-            <a:ext cx="1849692" cy="5183073"/>
+            <a:off x="8993673" y="675728"/>
+            <a:ext cx="2089963" cy="5183073"/>
           </a:xfrm>
           <a:prstGeom prst="rect">
             <a:avLst/>
@@ -1092,7 +1098,11 @@
         </p:spPr>
         <p:txBody>
           <a:bodyPr vert="eaVert" anchor="b"/>
-          <a:lstStyle/>
+          <a:lstStyle>
+            <a:lvl1pPr>
+              <a:defRPr cap="none" baseline="0"/>
+            </a:lvl1pPr>
+          </a:lstStyle>
           <a:p>
             <a:r>
               <a:rPr lang="zh-CN" altLang="en-US" dirty="0"/>
@@ -1192,7 +1202,7 @@
           <a:p>
             <a:fld id="{E4551058-E5DB-324A-A8E9-6D3BEF243C3B}" type="datetimeFigureOut">
               <a:rPr kumimoji="1" lang="zh-CN" altLang="en-US" smtClean="0"/>
-              <a:t>2022/6/5</a:t>
+              <a:t>2022/6/9</a:t>
             </a:fld>
             <a:endParaRPr kumimoji="1" lang="zh-CN" altLang="en-US"/>
           </a:p>
@@ -1263,10 +1273,10 @@
       </p:sp>
       <p:pic>
         <p:nvPicPr>
-          <p:cNvPr id="9" name="图片 8">
+          <p:cNvPr id="10" name="图片 9">
             <a:extLst>
               <a:ext uri="{FF2B5EF4-FFF2-40B4-BE49-F238E27FC236}">
-                <a16:creationId xmlns:a16="http://schemas.microsoft.com/office/drawing/2014/main" id="{159FF5BF-9D10-464A-8341-1A4EA2F42106}"/>
+                <a16:creationId xmlns:a16="http://schemas.microsoft.com/office/drawing/2014/main" id="{585B7696-CB4E-1240-9BA7-6A9255852434}"/>
               </a:ext>
             </a:extLst>
           </p:cNvPr>
@@ -1276,25 +1286,15 @@
           <p:nvPr userDrawn="1"/>
         </p:nvPicPr>
         <p:blipFill>
-          <a:blip r:embed="rId2">
-            <a:duotone>
-              <a:schemeClr val="bg2">
-                <a:shade val="45000"/>
-                <a:satMod val="135000"/>
-              </a:schemeClr>
-              <a:prstClr val="white"/>
-            </a:duotone>
-            <a:alphaModFix/>
-            <a:lum bright="100000"/>
-          </a:blip>
+          <a:blip r:embed="rId2"/>
           <a:stretch>
             <a:fillRect/>
           </a:stretch>
         </p:blipFill>
         <p:spPr>
           <a:xfrm>
-            <a:off x="10799583" y="237613"/>
-            <a:ext cx="1140243" cy="1140242"/>
+            <a:off x="11083637" y="92600"/>
+            <a:ext cx="1015763" cy="1019553"/>
           </a:xfrm>
           <a:prstGeom prst="rect">
             <a:avLst/>
@@ -1405,7 +1405,7 @@
           <a:p>
             <a:fld id="{E4551058-E5DB-324A-A8E9-6D3BEF243C3B}" type="datetimeFigureOut">
               <a:rPr kumimoji="1" lang="zh-CN" altLang="en-US" smtClean="0"/>
-              <a:t>2022/6/5</a:t>
+              <a:t>2022/6/9</a:t>
             </a:fld>
             <a:endParaRPr kumimoji="1" lang="zh-CN" altLang="en-US"/>
           </a:p>
@@ -1477,10 +1477,14 @@
         <p:spPr/>
         <p:txBody>
           <a:bodyPr/>
-          <a:lstStyle/>
-          <a:p>
-            <a:r>
-              <a:rPr kumimoji="1" lang="zh-CN" altLang="en-US"/>
+          <a:lstStyle>
+            <a:lvl1pPr>
+              <a:defRPr cap="none" baseline="0"/>
+            </a:lvl1pPr>
+          </a:lstStyle>
+          <a:p>
+            <a:r>
+              <a:rPr kumimoji="1" lang="zh-CN" altLang="en-US" dirty="0"/>
               <a:t>单击此处编辑母版标题样式</a:t>
             </a:r>
           </a:p>
@@ -1578,7 +1582,7 @@
           <a:p>
             <a:fld id="{E4551058-E5DB-324A-A8E9-6D3BEF243C3B}" type="datetimeFigureOut">
               <a:rPr kumimoji="1" lang="zh-CN" altLang="en-US" smtClean="0"/>
-              <a:t>2022/6/5</a:t>
+              <a:t>2022/6/9</a:t>
             </a:fld>
             <a:endParaRPr kumimoji="1" lang="zh-CN" altLang="en-US"/>
           </a:p>
@@ -1662,7 +1666,7 @@
           </a:bodyPr>
           <a:lstStyle>
             <a:lvl1pPr algn="ctr">
-              <a:defRPr sz="3600"/>
+              <a:defRPr sz="3600" cap="none" baseline="0"/>
             </a:lvl1pPr>
           </a:lstStyle>
           <a:p>
@@ -1674,46 +1678,6 @@
           </a:p>
         </p:txBody>
       </p:sp>
-      <p:pic>
-        <p:nvPicPr>
-          <p:cNvPr id="15" name="图片 14">
-            <a:extLst>
-              <a:ext uri="{FF2B5EF4-FFF2-40B4-BE49-F238E27FC236}">
-                <a16:creationId xmlns:a16="http://schemas.microsoft.com/office/drawing/2014/main" id="{0DD8DF0D-52C6-E541-BD5C-34EC1811C1A9}"/>
-              </a:ext>
-            </a:extLst>
-          </p:cNvPr>
-          <p:cNvPicPr>
-            <a:picLocks noChangeAspect="1"/>
-          </p:cNvPicPr>
-          <p:nvPr userDrawn="1"/>
-        </p:nvPicPr>
-        <p:blipFill>
-          <a:blip r:embed="rId2">
-            <a:duotone>
-              <a:schemeClr val="bg2">
-                <a:shade val="45000"/>
-                <a:satMod val="135000"/>
-              </a:schemeClr>
-              <a:prstClr val="white"/>
-            </a:duotone>
-            <a:alphaModFix/>
-            <a:lum bright="100000"/>
-          </a:blip>
-          <a:stretch>
-            <a:fillRect/>
-          </a:stretch>
-        </p:blipFill>
-        <p:spPr>
-          <a:xfrm>
-            <a:off x="248291" y="237613"/>
-            <a:ext cx="1140243" cy="1140242"/>
-          </a:xfrm>
-          <a:prstGeom prst="rect">
-            <a:avLst/>
-          </a:prstGeom>
-        </p:spPr>
-      </p:pic>
       <p:sp>
         <p:nvSpPr>
           <p:cNvPr id="9" name="Content Placeholder 2">
@@ -1795,6 +1759,36 @@
           </a:p>
         </p:txBody>
       </p:sp>
+      <p:pic>
+        <p:nvPicPr>
+          <p:cNvPr id="10" name="图片 9">
+            <a:extLst>
+              <a:ext uri="{FF2B5EF4-FFF2-40B4-BE49-F238E27FC236}">
+                <a16:creationId xmlns:a16="http://schemas.microsoft.com/office/drawing/2014/main" id="{5E98806B-B47C-4F4E-99EE-E81C923B8C56}"/>
+              </a:ext>
+            </a:extLst>
+          </p:cNvPr>
+          <p:cNvPicPr>
+            <a:picLocks noChangeAspect="1"/>
+          </p:cNvPicPr>
+          <p:nvPr userDrawn="1"/>
+        </p:nvPicPr>
+        <p:blipFill>
+          <a:blip r:embed="rId2"/>
+          <a:stretch>
+            <a:fillRect/>
+          </a:stretch>
+        </p:blipFill>
+        <p:spPr>
+          <a:xfrm>
+            <a:off x="92600" y="92600"/>
+            <a:ext cx="1015763" cy="1019553"/>
+          </a:xfrm>
+          <a:prstGeom prst="rect">
+            <a:avLst/>
+          </a:prstGeom>
+        </p:spPr>
+      </p:pic>
     </p:spTree>
     <p:extLst>
       <p:ext uri="{BB962C8B-B14F-4D97-AF65-F5344CB8AC3E}">
@@ -1864,6 +1858,36 @@
           </a:fontRef>
         </p:style>
       </p:sp>
+      <p:pic>
+        <p:nvPicPr>
+          <p:cNvPr id="9" name="图片 8">
+            <a:extLst>
+              <a:ext uri="{FF2B5EF4-FFF2-40B4-BE49-F238E27FC236}">
+                <a16:creationId xmlns:a16="http://schemas.microsoft.com/office/drawing/2014/main" id="{B4B44660-41EC-A14F-B294-9C3C6742590D}"/>
+              </a:ext>
+            </a:extLst>
+          </p:cNvPr>
+          <p:cNvPicPr>
+            <a:picLocks noChangeAspect="1"/>
+          </p:cNvPicPr>
+          <p:nvPr userDrawn="1"/>
+        </p:nvPicPr>
+        <p:blipFill>
+          <a:blip r:embed="rId2"/>
+          <a:stretch>
+            <a:fillRect/>
+          </a:stretch>
+        </p:blipFill>
+        <p:spPr>
+          <a:xfrm>
+            <a:off x="11072241" y="5257877"/>
+            <a:ext cx="1015763" cy="1019553"/>
+          </a:xfrm>
+          <a:prstGeom prst="rect">
+            <a:avLst/>
+          </a:prstGeom>
+        </p:spPr>
+      </p:pic>
       <p:sp>
         <p:nvSpPr>
           <p:cNvPr id="2" name="Title 1"/>
@@ -1889,7 +1913,7 @@
           </a:bodyPr>
           <a:lstStyle>
             <a:lvl1pPr algn="l">
-              <a:defRPr sz="3600" b="0" cap="all">
+              <a:defRPr sz="3600" b="0" cap="none" baseline="0">
                 <a:solidFill>
                   <a:schemeClr val="accent1"/>
                 </a:solidFill>
@@ -1898,7 +1922,7 @@
           </a:lstStyle>
           <a:p>
             <a:r>
-              <a:rPr lang="zh-CN" altLang="en-US"/>
+              <a:rPr lang="zh-CN" altLang="en-US" dirty="0"/>
               <a:t>单击此处编辑母版标题样式</a:t>
             </a:r>
             <a:endParaRPr lang="en-US" dirty="0"/>
@@ -2018,7 +2042,7 @@
           <a:p>
             <a:pPr lvl="0"/>
             <a:r>
-              <a:rPr lang="zh-CN" altLang="en-US"/>
+              <a:rPr lang="zh-CN" altLang="en-US" dirty="0"/>
               <a:t>单击此处编辑母版文本样式</a:t>
             </a:r>
           </a:p>
@@ -2026,7 +2050,13 @@
       </p:sp>
       <p:sp>
         <p:nvSpPr>
-          <p:cNvPr id="4" name="Date Placeholder 3"/>
+          <p:cNvPr id="10" name="Date Placeholder 4">
+            <a:extLst>
+              <a:ext uri="{FF2B5EF4-FFF2-40B4-BE49-F238E27FC236}">
+                <a16:creationId xmlns:a16="http://schemas.microsoft.com/office/drawing/2014/main" id="{A0E62274-98AF-2241-9A77-674A409D7235}"/>
+              </a:ext>
+            </a:extLst>
+          </p:cNvPr>
           <p:cNvSpPr>
             <a:spLocks noGrp="1"/>
           </p:cNvSpPr>
@@ -2034,7 +2064,12 @@
             <p:ph type="dt" sz="half" idx="10"/>
           </p:nvPr>
         </p:nvSpPr>
-        <p:spPr/>
+        <p:spPr>
+          <a:xfrm>
+            <a:off x="7605953" y="5956139"/>
+            <a:ext cx="2844799" cy="365125"/>
+          </a:xfrm>
+        </p:spPr>
         <p:txBody>
           <a:bodyPr/>
           <a:lstStyle>
@@ -2052,15 +2087,21 @@
           <a:p>
             <a:fld id="{E4551058-E5DB-324A-A8E9-6D3BEF243C3B}" type="datetimeFigureOut">
               <a:rPr kumimoji="1" lang="zh-CN" altLang="en-US" smtClean="0"/>
-              <a:t>2022/6/5</a:t>
+              <a:t>2022/6/9</a:t>
             </a:fld>
-            <a:endParaRPr kumimoji="1" lang="zh-CN" altLang="en-US"/>
-          </a:p>
-        </p:txBody>
-      </p:sp>
-      <p:sp>
-        <p:nvSpPr>
-          <p:cNvPr id="5" name="Footer Placeholder 4"/>
+            <a:endParaRPr kumimoji="1" lang="zh-CN" altLang="en-US" dirty="0"/>
+          </a:p>
+        </p:txBody>
+      </p:sp>
+      <p:sp>
+        <p:nvSpPr>
+          <p:cNvPr id="11" name="Footer Placeholder 5">
+            <a:extLst>
+              <a:ext uri="{FF2B5EF4-FFF2-40B4-BE49-F238E27FC236}">
+                <a16:creationId xmlns:a16="http://schemas.microsoft.com/office/drawing/2014/main" id="{CEBDF014-FCAB-094A-9CD9-F9DA807CDF98}"/>
+              </a:ext>
+            </a:extLst>
+          </p:cNvPr>
           <p:cNvSpPr>
             <a:spLocks noGrp="1"/>
           </p:cNvSpPr>
@@ -2068,7 +2109,12 @@
             <p:ph type="ftr" sz="quarter" idx="11"/>
           </p:nvPr>
         </p:nvSpPr>
-        <p:spPr/>
+        <p:spPr>
+          <a:xfrm>
+            <a:off x="581192" y="5951813"/>
+            <a:ext cx="6917211" cy="365125"/>
+          </a:xfrm>
+        </p:spPr>
         <p:txBody>
           <a:bodyPr/>
           <a:lstStyle>
@@ -2090,7 +2136,13 @@
       </p:sp>
       <p:sp>
         <p:nvSpPr>
-          <p:cNvPr id="6" name="Slide Number Placeholder 5"/>
+          <p:cNvPr id="12" name="Slide Number Placeholder 6">
+            <a:extLst>
+              <a:ext uri="{FF2B5EF4-FFF2-40B4-BE49-F238E27FC236}">
+                <a16:creationId xmlns:a16="http://schemas.microsoft.com/office/drawing/2014/main" id="{6A392C9B-44C0-6644-BD6C-E143FA2F8C1D}"/>
+              </a:ext>
+            </a:extLst>
+          </p:cNvPr>
           <p:cNvSpPr>
             <a:spLocks noGrp="1"/>
           </p:cNvSpPr>
@@ -2098,7 +2150,12 @@
             <p:ph type="sldNum" sz="quarter" idx="12"/>
           </p:nvPr>
         </p:nvSpPr>
-        <p:spPr/>
+        <p:spPr>
+          <a:xfrm>
+            <a:off x="10558301" y="5956139"/>
+            <a:ext cx="513940" cy="365125"/>
+          </a:xfrm>
+        </p:spPr>
         <p:txBody>
           <a:bodyPr/>
           <a:lstStyle>
@@ -2118,50 +2175,10 @@
               <a:rPr kumimoji="1" lang="zh-CN" altLang="en-US" smtClean="0"/>
               <a:t>‹#›</a:t>
             </a:fld>
-            <a:endParaRPr kumimoji="1" lang="zh-CN" altLang="en-US"/>
-          </a:p>
-        </p:txBody>
-      </p:sp>
-      <p:pic>
-        <p:nvPicPr>
-          <p:cNvPr id="10" name="图片 9">
-            <a:extLst>
-              <a:ext uri="{FF2B5EF4-FFF2-40B4-BE49-F238E27FC236}">
-                <a16:creationId xmlns:a16="http://schemas.microsoft.com/office/drawing/2014/main" id="{D5ED7C10-B7EC-CE4D-B410-A99267152767}"/>
-              </a:ext>
-            </a:extLst>
-          </p:cNvPr>
-          <p:cNvPicPr>
-            <a:picLocks noChangeAspect="1"/>
-          </p:cNvPicPr>
-          <p:nvPr userDrawn="1"/>
-        </p:nvPicPr>
-        <p:blipFill>
-          <a:blip r:embed="rId2">
-            <a:duotone>
-              <a:schemeClr val="bg2">
-                <a:shade val="45000"/>
-                <a:satMod val="135000"/>
-              </a:schemeClr>
-              <a:prstClr val="white"/>
-            </a:duotone>
-            <a:alphaModFix/>
-            <a:lum bright="100000"/>
-          </a:blip>
-          <a:stretch>
-            <a:fillRect/>
-          </a:stretch>
-        </p:blipFill>
-        <p:spPr>
-          <a:xfrm>
-            <a:off x="11065982" y="5349943"/>
-            <a:ext cx="835423" cy="835423"/>
-          </a:xfrm>
-          <a:prstGeom prst="rect">
-            <a:avLst/>
-          </a:prstGeom>
-        </p:spPr>
-      </p:pic>
+            <a:endParaRPr kumimoji="1" lang="zh-CN" altLang="en-US" dirty="0"/>
+          </a:p>
+        </p:txBody>
+      </p:sp>
     </p:spTree>
     <p:extLst>
       <p:ext uri="{BB962C8B-B14F-4D97-AF65-F5344CB8AC3E}">
@@ -2327,7 +2344,7 @@
           <a:p>
             <a:fld id="{E4551058-E5DB-324A-A8E9-6D3BEF243C3B}" type="datetimeFigureOut">
               <a:rPr kumimoji="1" lang="zh-CN" altLang="en-US" smtClean="0"/>
-              <a:t>2022/6/5</a:t>
+              <a:t>2022/6/9</a:t>
             </a:fld>
             <a:endParaRPr kumimoji="1" lang="zh-CN" altLang="en-US"/>
           </a:p>
@@ -2394,10 +2411,14 @@
         <p:spPr/>
         <p:txBody>
           <a:bodyPr/>
-          <a:lstStyle/>
-          <a:p>
-            <a:r>
-              <a:rPr kumimoji="1" lang="zh-CN" altLang="en-US"/>
+          <a:lstStyle>
+            <a:lvl1pPr>
+              <a:defRPr cap="none" baseline="0"/>
+            </a:lvl1pPr>
+          </a:lstStyle>
+          <a:p>
+            <a:r>
+              <a:rPr kumimoji="1" lang="zh-CN" altLang="en-US" dirty="0"/>
               <a:t>单击此处编辑母版标题样式</a:t>
             </a:r>
           </a:p>
@@ -2710,7 +2731,7 @@
           <a:p>
             <a:fld id="{E4551058-E5DB-324A-A8E9-6D3BEF243C3B}" type="datetimeFigureOut">
               <a:rPr kumimoji="1" lang="zh-CN" altLang="en-US" smtClean="0"/>
-              <a:t>2022/6/5</a:t>
+              <a:t>2022/6/9</a:t>
             </a:fld>
             <a:endParaRPr kumimoji="1" lang="zh-CN" altLang="en-US"/>
           </a:p>
@@ -2777,10 +2798,14 @@
         <p:spPr/>
         <p:txBody>
           <a:bodyPr/>
-          <a:lstStyle/>
-          <a:p>
-            <a:r>
-              <a:rPr kumimoji="1" lang="zh-CN" altLang="en-US"/>
+          <a:lstStyle>
+            <a:lvl1pPr>
+              <a:defRPr cap="none" baseline="0"/>
+            </a:lvl1pPr>
+          </a:lstStyle>
+          <a:p>
+            <a:r>
+              <a:rPr kumimoji="1" lang="zh-CN" altLang="en-US" dirty="0"/>
               <a:t>单击此处编辑母版标题样式</a:t>
             </a:r>
           </a:p>
@@ -2833,7 +2858,7 @@
           <a:p>
             <a:fld id="{E4551058-E5DB-324A-A8E9-6D3BEF243C3B}" type="datetimeFigureOut">
               <a:rPr kumimoji="1" lang="zh-CN" altLang="en-US" smtClean="0"/>
-              <a:t>2022/6/5</a:t>
+              <a:t>2022/6/9</a:t>
             </a:fld>
             <a:endParaRPr kumimoji="1" lang="zh-CN" altLang="en-US"/>
           </a:p>
@@ -2900,10 +2925,14 @@
         <p:spPr/>
         <p:txBody>
           <a:bodyPr/>
-          <a:lstStyle/>
-          <a:p>
-            <a:r>
-              <a:rPr kumimoji="1" lang="zh-CN" altLang="en-US"/>
+          <a:lstStyle>
+            <a:lvl1pPr>
+              <a:defRPr cap="none" baseline="0"/>
+            </a:lvl1pPr>
+          </a:lstStyle>
+          <a:p>
+            <a:r>
+              <a:rPr kumimoji="1" lang="zh-CN" altLang="en-US" dirty="0"/>
               <a:t>单击此处编辑母版标题样式</a:t>
             </a:r>
           </a:p>
@@ -2956,7 +2985,7 @@
           <a:p>
             <a:fld id="{E4551058-E5DB-324A-A8E9-6D3BEF243C3B}" type="datetimeFigureOut">
               <a:rPr kumimoji="1" lang="zh-CN" altLang="en-US" smtClean="0"/>
-              <a:t>2022/6/5</a:t>
+              <a:t>2022/6/9</a:t>
             </a:fld>
             <a:endParaRPr kumimoji="1" lang="zh-CN" altLang="en-US"/>
           </a:p>
@@ -3124,46 +3153,6 @@
           </a:fontRef>
         </p:style>
       </p:sp>
-      <p:pic>
-        <p:nvPicPr>
-          <p:cNvPr id="12" name="图片 11">
-            <a:extLst>
-              <a:ext uri="{FF2B5EF4-FFF2-40B4-BE49-F238E27FC236}">
-                <a16:creationId xmlns:a16="http://schemas.microsoft.com/office/drawing/2014/main" id="{499F1C42-7202-F94A-974A-BB8A86D24033}"/>
-              </a:ext>
-            </a:extLst>
-          </p:cNvPr>
-          <p:cNvPicPr>
-            <a:picLocks noChangeAspect="1"/>
-          </p:cNvPicPr>
-          <p:nvPr userDrawn="1"/>
-        </p:nvPicPr>
-        <p:blipFill>
-          <a:blip r:embed="rId2">
-            <a:duotone>
-              <a:schemeClr val="bg2">
-                <a:shade val="45000"/>
-                <a:satMod val="135000"/>
-              </a:schemeClr>
-              <a:prstClr val="white"/>
-            </a:duotone>
-            <a:alphaModFix/>
-            <a:lum bright="100000"/>
-          </a:blip>
-          <a:stretch>
-            <a:fillRect/>
-          </a:stretch>
-        </p:blipFill>
-        <p:spPr>
-          <a:xfrm>
-            <a:off x="11065982" y="5349943"/>
-            <a:ext cx="835423" cy="835423"/>
-          </a:xfrm>
-          <a:prstGeom prst="rect">
-            <a:avLst/>
-          </a:prstGeom>
-        </p:spPr>
-      </p:pic>
       <p:sp>
         <p:nvSpPr>
           <p:cNvPr id="2" name="Title 1"/>
@@ -3189,7 +3178,7 @@
           </a:bodyPr>
           <a:lstStyle>
             <a:lvl1pPr algn="l">
-              <a:defRPr sz="2400" b="0">
+              <a:defRPr sz="2400" b="0" cap="none" baseline="0">
                 <a:solidFill>
                   <a:schemeClr val="bg1"/>
                 </a:solidFill>
@@ -3427,9 +3416,9 @@
           <a:p>
             <a:fld id="{E4551058-E5DB-324A-A8E9-6D3BEF243C3B}" type="datetimeFigureOut">
               <a:rPr kumimoji="1" lang="zh-CN" altLang="en-US" smtClean="0"/>
-              <a:t>2022/6/5</a:t>
+              <a:t>2022/6/9</a:t>
             </a:fld>
-            <a:endParaRPr kumimoji="1" lang="zh-CN" altLang="en-US"/>
+            <a:endParaRPr kumimoji="1" lang="zh-CN" altLang="en-US" dirty="0"/>
           </a:p>
         </p:txBody>
       </p:sp>
@@ -3463,6 +3452,36 @@
           </a:p>
         </p:txBody>
       </p:sp>
+      <p:pic>
+        <p:nvPicPr>
+          <p:cNvPr id="10" name="图片 9">
+            <a:extLst>
+              <a:ext uri="{FF2B5EF4-FFF2-40B4-BE49-F238E27FC236}">
+                <a16:creationId xmlns:a16="http://schemas.microsoft.com/office/drawing/2014/main" id="{5B735133-AAF8-B043-8177-73831FB4A04D}"/>
+              </a:ext>
+            </a:extLst>
+          </p:cNvPr>
+          <p:cNvPicPr>
+            <a:picLocks noChangeAspect="1"/>
+          </p:cNvPicPr>
+          <p:nvPr userDrawn="1"/>
+        </p:nvPicPr>
+        <p:blipFill>
+          <a:blip r:embed="rId2"/>
+          <a:stretch>
+            <a:fillRect/>
+          </a:stretch>
+        </p:blipFill>
+        <p:spPr>
+          <a:xfrm>
+            <a:off x="11072241" y="5257877"/>
+            <a:ext cx="1015763" cy="1019553"/>
+          </a:xfrm>
+          <a:prstGeom prst="rect">
+            <a:avLst/>
+          </a:prstGeom>
+        </p:spPr>
+      </p:pic>
       <p:sp>
         <p:nvSpPr>
           <p:cNvPr id="7" name="Slide Number Placeholder 6"/>
@@ -3473,7 +3492,12 @@
             <p:ph type="sldNum" sz="quarter" idx="12"/>
           </p:nvPr>
         </p:nvSpPr>
-        <p:spPr/>
+        <p:spPr>
+          <a:xfrm>
+            <a:off x="10558301" y="5956139"/>
+            <a:ext cx="513940" cy="365125"/>
+          </a:xfrm>
+        </p:spPr>
         <p:txBody>
           <a:bodyPr/>
           <a:lstStyle>
@@ -3493,7 +3517,7 @@
               <a:rPr kumimoji="1" lang="zh-CN" altLang="en-US" smtClean="0"/>
               <a:t>‹#›</a:t>
             </a:fld>
-            <a:endParaRPr kumimoji="1" lang="zh-CN" altLang="en-US"/>
+            <a:endParaRPr kumimoji="1" lang="zh-CN" altLang="en-US" dirty="0"/>
           </a:p>
         </p:txBody>
       </p:sp>
@@ -3514,9 +3538,12 @@
 <p:sldMaster xmlns:a="http://schemas.openxmlformats.org/drawingml/2006/main" xmlns:r="http://schemas.openxmlformats.org/officeDocument/2006/relationships" xmlns:p="http://schemas.openxmlformats.org/presentationml/2006/main" preserve="1">
   <p:cSld>
     <p:bg>
-      <p:bgRef idx="1001">
-        <a:schemeClr val="bg1"/>
-      </p:bgRef>
+      <p:bgPr>
+        <a:solidFill>
+          <a:schemeClr val="bg1"/>
+        </a:solidFill>
+        <a:effectLst/>
+      </p:bgPr>
     </p:bg>
     <p:spTree>
       <p:nvGrpSpPr>
@@ -3579,39 +3606,6 @@
       </p:sp>
       <p:sp>
         <p:nvSpPr>
-          <p:cNvPr id="2" name="Title Placeholder 1"/>
-          <p:cNvSpPr>
-            <a:spLocks noGrp="1"/>
-          </p:cNvSpPr>
-          <p:nvPr>
-            <p:ph type="title"/>
-          </p:nvPr>
-        </p:nvSpPr>
-        <p:spPr>
-          <a:xfrm>
-            <a:off x="270377" y="87749"/>
-            <a:ext cx="10795605" cy="1015200"/>
-          </a:xfrm>
-          <a:prstGeom prst="rect">
-            <a:avLst/>
-          </a:prstGeom>
-        </p:spPr>
-        <p:txBody>
-          <a:bodyPr vert="horz" lIns="91440" tIns="45720" rIns="91440" bIns="45720" rtlCol="0" anchor="ctr">
-            <a:normAutofit/>
-          </a:bodyPr>
-          <a:lstStyle/>
-          <a:p>
-            <a:r>
-              <a:rPr lang="zh-CN" altLang="en-US" dirty="0"/>
-              <a:t>单击此处编辑母版标题样式</a:t>
-            </a:r>
-            <a:endParaRPr lang="en-US" dirty="0"/>
-          </a:p>
-        </p:txBody>
-      </p:sp>
-      <p:sp>
-        <p:nvSpPr>
           <p:cNvPr id="3" name="Text Placeholder 2"/>
           <p:cNvSpPr>
             <a:spLocks noGrp="1"/>
@@ -3705,7 +3699,7 @@
           <a:p>
             <a:fld id="{E4551058-E5DB-324A-A8E9-6D3BEF243C3B}" type="datetimeFigureOut">
               <a:rPr kumimoji="1" lang="zh-CN" altLang="en-US" smtClean="0"/>
-              <a:t>2022/6/5</a:t>
+              <a:t>2022/6/9</a:t>
             </a:fld>
             <a:endParaRPr kumimoji="1" lang="zh-CN" altLang="en-US"/>
           </a:p>
@@ -3832,10 +3826,10 @@
       </p:sp>
       <p:pic>
         <p:nvPicPr>
-          <p:cNvPr id="17" name="图片 16">
+          <p:cNvPr id="10" name="图片 9">
             <a:extLst>
               <a:ext uri="{FF2B5EF4-FFF2-40B4-BE49-F238E27FC236}">
-                <a16:creationId xmlns:a16="http://schemas.microsoft.com/office/drawing/2014/main" id="{CAF9D175-885C-1A49-B3DA-29DD434BF3A9}"/>
+                <a16:creationId xmlns:a16="http://schemas.microsoft.com/office/drawing/2014/main" id="{D4C6A3C0-9B9A-6346-8E2E-CDD5319CED1A}"/>
               </a:ext>
             </a:extLst>
           </p:cNvPr>
@@ -3845,31 +3839,54 @@
           <p:nvPr userDrawn="1"/>
         </p:nvPicPr>
         <p:blipFill>
-          <a:blip r:embed="rId14">
-            <a:duotone>
-              <a:schemeClr val="bg2">
-                <a:shade val="45000"/>
-                <a:satMod val="135000"/>
-              </a:schemeClr>
-              <a:prstClr val="white"/>
-            </a:duotone>
-            <a:alphaModFix/>
-            <a:lum bright="100000"/>
-          </a:blip>
+          <a:blip r:embed="rId14"/>
           <a:stretch>
             <a:fillRect/>
           </a:stretch>
         </p:blipFill>
         <p:spPr>
           <a:xfrm>
-            <a:off x="11065982" y="176939"/>
-            <a:ext cx="835423" cy="835423"/>
+            <a:off x="11072160" y="87749"/>
+            <a:ext cx="1015763" cy="1019553"/>
           </a:xfrm>
           <a:prstGeom prst="rect">
             <a:avLst/>
           </a:prstGeom>
         </p:spPr>
       </p:pic>
+      <p:sp>
+        <p:nvSpPr>
+          <p:cNvPr id="2" name="Title Placeholder 1"/>
+          <p:cNvSpPr>
+            <a:spLocks noGrp="1"/>
+          </p:cNvSpPr>
+          <p:nvPr>
+            <p:ph type="title"/>
+          </p:nvPr>
+        </p:nvSpPr>
+        <p:spPr>
+          <a:xfrm>
+            <a:off x="270377" y="87749"/>
+            <a:ext cx="10795605" cy="1015200"/>
+          </a:xfrm>
+          <a:prstGeom prst="rect">
+            <a:avLst/>
+          </a:prstGeom>
+        </p:spPr>
+        <p:txBody>
+          <a:bodyPr vert="horz" lIns="91440" tIns="45720" rIns="91440" bIns="45720" rtlCol="0" anchor="ctr">
+            <a:normAutofit/>
+          </a:bodyPr>
+          <a:lstStyle/>
+          <a:p>
+            <a:r>
+              <a:rPr lang="zh-CN" altLang="en-US" dirty="0"/>
+              <a:t>单击此处编辑母版标题样式</a:t>
+            </a:r>
+            <a:endParaRPr lang="en-US" dirty="0"/>
+          </a:p>
+        </p:txBody>
+      </p:sp>
     </p:spTree>
     <p:extLst>
       <p:ext uri="{BB962C8B-B14F-4D97-AF65-F5344CB8AC3E}">
@@ -3899,7 +3916,7 @@
           <a:spcPct val="0"/>
         </a:spcBef>
         <a:buNone/>
-        <a:defRPr sz="2800" b="0" kern="1200" cap="all">
+        <a:defRPr sz="2800" b="0" kern="1200" cap="none" baseline="0">
           <a:solidFill>
             <a:schemeClr val="bg1"/>
           </a:solidFill>
@@ -4297,35 +4314,40 @@
             <p:ph type="ctrTitle"/>
           </p:nvPr>
         </p:nvSpPr>
-        <p:spPr/>
+        <p:spPr>
+          <a:xfrm>
+            <a:off x="599226" y="1731653"/>
+            <a:ext cx="10993549" cy="2123126"/>
+          </a:xfrm>
+        </p:spPr>
         <p:txBody>
           <a:bodyPr/>
           <a:lstStyle/>
           <a:p>
             <a:r>
-              <a:rPr kumimoji="1" lang="zh-CN" altLang="en-US" dirty="0"/>
+              <a:rPr lang="zh-CN" altLang="en-US" dirty="0"/>
               <a:t>清华简约主题</a:t>
             </a:r>
             <a:r>
-              <a:rPr kumimoji="1" lang="en-US" altLang="zh-CN" dirty="0"/>
+              <a:rPr lang="en-US" altLang="zh-CN" dirty="0"/>
               <a:t>PPT</a:t>
             </a:r>
             <a:r>
-              <a:rPr kumimoji="1" lang="zh-CN" altLang="en-US" dirty="0"/>
+              <a:rPr lang="zh-CN" altLang="en-US" dirty="0"/>
               <a:t>模板</a:t>
             </a:r>
             <a:br>
-              <a:rPr kumimoji="1" lang="en-US" altLang="zh-CN" dirty="0"/>
+              <a:rPr lang="en-US" altLang="zh-CN" dirty="0"/>
             </a:br>
             <a:r>
-              <a:rPr kumimoji="1" lang="zh-CN" altLang="en-US" dirty="0"/>
+              <a:rPr lang="zh-CN" altLang="en-US" dirty="0"/>
               <a:t>顶边白底变体 </a:t>
             </a:r>
             <a:r>
-              <a:rPr kumimoji="1" lang="en-US" altLang="zh-CN" dirty="0"/>
+              <a:rPr lang="en-US" altLang="zh-CN" dirty="0"/>
               <a:t>16:9</a:t>
             </a:r>
-            <a:endParaRPr kumimoji="1" lang="zh-CN" altLang="en-US" dirty="0"/>
+            <a:endParaRPr lang="zh-CN" altLang="en-US" dirty="0"/>
           </a:p>
         </p:txBody>
       </p:sp>
@@ -4345,7 +4367,12 @@
             <p:ph type="subTitle" idx="1"/>
           </p:nvPr>
         </p:nvSpPr>
-        <p:spPr/>
+        <p:spPr>
+          <a:xfrm>
+            <a:off x="581193" y="4194262"/>
+            <a:ext cx="10993547" cy="1340999"/>
+          </a:xfrm>
+        </p:spPr>
         <p:txBody>
           <a:bodyPr>
             <a:normAutofit/>
@@ -4353,41 +4380,41 @@
           <a:lstStyle/>
           <a:p>
             <a:r>
-              <a:rPr kumimoji="1" lang="zh-CN" altLang="en-US" dirty="0"/>
+              <a:rPr lang="zh-CN" altLang="en-US" dirty="0"/>
               <a:t>陈伟浩</a:t>
             </a:r>
-            <a:endParaRPr kumimoji="1" lang="en-US" altLang="zh-CN" dirty="0"/>
-          </a:p>
-          <a:p>
-            <a:r>
-              <a:rPr kumimoji="1" lang="zh-CN" altLang="en-US" dirty="0"/>
-              <a:t>新雅书院</a:t>
-            </a:r>
-            <a:endParaRPr kumimoji="1" lang="en-US" altLang="zh-CN" dirty="0"/>
-          </a:p>
-          <a:p>
-            <a:r>
-              <a:rPr kumimoji="1" lang="en-US" altLang="zh-CN" dirty="0"/>
+            <a:endParaRPr lang="en-US" altLang="zh-CN" dirty="0"/>
+          </a:p>
+          <a:p>
+            <a:r>
+              <a:rPr lang="zh-CN" altLang="en-US"/>
+              <a:t>计算机系</a:t>
+            </a:r>
+            <a:endParaRPr lang="en-US" altLang="zh-CN" dirty="0"/>
+          </a:p>
+          <a:p>
+            <a:r>
+              <a:rPr lang="en-US" altLang="zh-CN" dirty="0"/>
               <a:t>2022</a:t>
             </a:r>
             <a:r>
-              <a:rPr kumimoji="1" lang="zh-CN" altLang="en-US" dirty="0"/>
+              <a:rPr lang="zh-CN" altLang="en-US" dirty="0"/>
               <a:t>年</a:t>
             </a:r>
             <a:r>
-              <a:rPr kumimoji="1" lang="en-US" altLang="zh-CN" dirty="0"/>
+              <a:rPr lang="en-US" altLang="zh-CN" dirty="0"/>
               <a:t>6</a:t>
             </a:r>
             <a:r>
-              <a:rPr kumimoji="1" lang="zh-CN" altLang="en-US" dirty="0"/>
+              <a:rPr lang="zh-CN" altLang="en-US" dirty="0"/>
               <a:t>月</a:t>
             </a:r>
             <a:r>
-              <a:rPr kumimoji="1" lang="en-US" altLang="zh-CN" dirty="0"/>
+              <a:rPr lang="en-US" altLang="zh-CN" dirty="0"/>
               <a:t>5</a:t>
             </a:r>
             <a:r>
-              <a:rPr kumimoji="1" lang="zh-CN" altLang="en-US" dirty="0"/>
+              <a:rPr lang="zh-CN" altLang="en-US" dirty="0"/>
               <a:t>日</a:t>
             </a:r>
           </a:p>
@@ -4588,6 +4615,54 @@
             <a:endParaRPr kumimoji="1" lang="en-US" altLang="zh-CN" dirty="0"/>
           </a:p>
           <a:p>
+            <a:r>
+              <a:rPr kumimoji="1" lang="zh-CN" altLang="en-US" dirty="0"/>
+              <a:t>这个</a:t>
+            </a:r>
+            <a:r>
+              <a:rPr kumimoji="1" lang="en-US" altLang="zh-CN" dirty="0"/>
+              <a:t>PPT</a:t>
+            </a:r>
+            <a:r>
+              <a:rPr kumimoji="1" lang="zh-CN" altLang="en-US" dirty="0"/>
+              <a:t>模板来自：</a:t>
+            </a:r>
+            <a:r>
+              <a:rPr kumimoji="1" lang="en-US" altLang="zh-CN" dirty="0">
+                <a:hlinkClick r:id="rId2"/>
+              </a:rPr>
+              <a:t>https://github.com/atomiechen/THU-PPT-Theme</a:t>
+            </a:r>
+            <a:endParaRPr kumimoji="1" lang="en-US" altLang="zh-CN" dirty="0"/>
+          </a:p>
+          <a:p>
+            <a:pPr lvl="1"/>
+            <a:r>
+              <a:rPr kumimoji="1" lang="zh-CN" altLang="en-US" dirty="0"/>
+              <a:t>如果大家喜欢，欢迎给我</a:t>
+            </a:r>
+            <a:r>
+              <a:rPr kumimoji="1" lang="en-US" altLang="zh-CN" dirty="0"/>
+              <a:t>star</a:t>
+            </a:r>
+            <a:r>
+              <a:rPr kumimoji="1" lang="zh-CN" altLang="en-US" dirty="0"/>
+              <a:t>，也欢迎</a:t>
+            </a:r>
+            <a:r>
+              <a:rPr kumimoji="1" lang="en-US" altLang="zh-CN" dirty="0"/>
+              <a:t>PR</a:t>
+            </a:r>
+            <a:r>
+              <a:rPr kumimoji="1" lang="zh-CN" altLang="en-US" dirty="0"/>
+              <a:t>贡献更多变体！</a:t>
+            </a:r>
+            <a:endParaRPr kumimoji="1" lang="en-US" altLang="zh-CN" dirty="0"/>
+          </a:p>
+          <a:p>
+            <a:endParaRPr kumimoji="1" lang="en-US" altLang="zh-CN" dirty="0"/>
+          </a:p>
+          <a:p>
             <a:endParaRPr kumimoji="1" lang="zh-CN" altLang="en-US" dirty="0"/>
           </a:p>
         </p:txBody>
@@ -4725,6 +4800,19 @@
               <a:rPr kumimoji="1" lang="zh-CN" altLang="en-US" dirty="0"/>
               <a:t>更多页面款式供你选！</a:t>
             </a:r>
+            <a:endParaRPr kumimoji="1" lang="en-US" altLang="zh-CN" dirty="0"/>
+          </a:p>
+          <a:p>
+            <a:r>
+              <a:rPr kumimoji="1" lang="en-US" altLang="zh-CN" dirty="0">
+                <a:hlinkClick r:id="rId2"/>
+              </a:rPr>
+              <a:t>https://github.com/atomiechen/THU-PPT-Theme</a:t>
+            </a:r>
+            <a:endParaRPr kumimoji="1" lang="en-US" altLang="zh-CN" dirty="0"/>
+          </a:p>
+          <a:p>
+            <a:endParaRPr kumimoji="1" lang="zh-CN" altLang="en-US" dirty="0"/>
           </a:p>
           <a:p>
             <a:endParaRPr kumimoji="1" lang="zh-CN" altLang="en-US" dirty="0"/>
@@ -4840,6 +4928,28 @@
               <a:rPr kumimoji="1" lang="zh-CN" altLang="en-US" dirty="0"/>
               <a:t>广而传播使用！</a:t>
             </a:r>
+            <a:endParaRPr kumimoji="1" lang="en-US" altLang="zh-CN" dirty="0"/>
+          </a:p>
+          <a:p>
+            <a:r>
+              <a:rPr kumimoji="1" lang="zh-CN" altLang="en" dirty="0"/>
+              <a:t>链接</a:t>
+            </a:r>
+            <a:r>
+              <a:rPr kumimoji="1" lang="zh-CN" altLang="en-US" dirty="0"/>
+              <a:t>点开之后颜色会有变化（欢迎</a:t>
+            </a:r>
+            <a:r>
+              <a:rPr kumimoji="1" lang="en-US" altLang="zh-CN" dirty="0"/>
+              <a:t>star</a:t>
+            </a:r>
+            <a:r>
+              <a:rPr kumimoji="1" lang="zh-CN" altLang="en-US" dirty="0"/>
+              <a:t>）</a:t>
+            </a:r>
+            <a:endParaRPr kumimoji="1" lang="en-US" altLang="zh-CN" dirty="0"/>
+          </a:p>
+          <a:p>
             <a:endParaRPr kumimoji="1" lang="en" altLang="zh-CN" dirty="0"/>
           </a:p>
           <a:p>
@@ -4963,10 +5073,10 @@
       </p:sp>
       <p:pic>
         <p:nvPicPr>
-          <p:cNvPr id="5" name="图片 4">
+          <p:cNvPr id="3" name="图片 2">
             <a:extLst>
               <a:ext uri="{FF2B5EF4-FFF2-40B4-BE49-F238E27FC236}">
-                <a16:creationId xmlns:a16="http://schemas.microsoft.com/office/drawing/2014/main" id="{2DEE0A38-EA57-5A42-8319-9A25AD4B99F3}"/>
+                <a16:creationId xmlns:a16="http://schemas.microsoft.com/office/drawing/2014/main" id="{06270E96-ACC1-CF45-9EDE-9F2F47E8FF17}"/>
               </a:ext>
             </a:extLst>
           </p:cNvPr>
@@ -4983,8 +5093,8 @@
         </p:blipFill>
         <p:spPr>
           <a:xfrm>
-            <a:off x="2033121" y="745566"/>
-            <a:ext cx="8125758" cy="3776286"/>
+            <a:off x="1963294" y="815787"/>
+            <a:ext cx="8265411" cy="3877600"/>
           </a:xfrm>
           <a:prstGeom prst="rect">
             <a:avLst/>
@@ -5304,7 +5414,7 @@
 <file path=ppt/theme/theme1.xml><?xml version="1.0" encoding="utf-8"?>
 <a:theme xmlns:a="http://schemas.openxmlformats.org/drawingml/2006/main" name="清华简约主题-顶边-16:9">
   <a:themeElements>
-    <a:clrScheme name="自定义 4">
+    <a:clrScheme name="清华紫主题">
       <a:dk1>
         <a:srgbClr val="000000"/>
       </a:dk1>
@@ -5318,10 +5428,10 @@
         <a:srgbClr val="EBEBEB"/>
       </a:lt2>
       <a:accent1>
-        <a:srgbClr val="5C2F7D"/>
+        <a:srgbClr val="660874"/>
       </a:accent1>
       <a:accent2>
-        <a:srgbClr val="5C2F7D"/>
+        <a:srgbClr val="660874"/>
       </a:accent2>
       <a:accent3>
         <a:srgbClr val="E6C46D"/>
@@ -5336,10 +5446,10 @@
         <a:srgbClr val="5A8071"/>
       </a:accent6>
       <a:hlink>
-        <a:srgbClr val="828282"/>
+        <a:srgbClr val="007698"/>
       </a:hlink>
       <a:folHlink>
-        <a:srgbClr val="A5A5A5"/>
+        <a:srgbClr val="43064C"/>
       </a:folHlink>
     </a:clrScheme>
     <a:fontScheme name="红利">
